--- a/Presentation/ARC_10_14_24_go_over_dataset.pptx
+++ b/Presentation/ARC_10_14_24_go_over_dataset.pptx
@@ -7,6 +7,9 @@
   <p:sldIdLst>
     <p:sldId id="256" r:id="rId2"/>
     <p:sldId id="257" r:id="rId3"/>
+    <p:sldId id="258" r:id="rId4"/>
+    <p:sldId id="259" r:id="rId5"/>
+    <p:sldId id="260" r:id="rId6"/>
   </p:sldIdLst>
   <p:sldSz cx="12192000" cy="6858000"/>
   <p:notesSz cx="6858000" cy="9144000"/>
@@ -105,6 +108,11 @@
       </a:defRPr>
     </a:lvl9pPr>
   </p:defaultTextStyle>
+  <p:extLst>
+    <p:ext uri="{EFAFB233-063F-42B5-8137-9DF3F51BA10A}">
+      <p15:sldGuideLst xmlns:p15="http://schemas.microsoft.com/office/powerpoint/2012/main"/>
+    </p:ext>
+  </p:extLst>
 </p:presentation>
 </file>
 
@@ -255,7 +263,7 @@
           <a:p>
             <a:fld id="{355DB585-D33B-42A9-9F51-42A8824375AA}" type="datetimeFigureOut">
               <a:rPr lang="en-US" smtClean="0"/>
-              <a:t>10/14/2024</a:t>
+              <a:t>10/15/2024</a:t>
             </a:fld>
             <a:endParaRPr lang="en-US"/>
           </a:p>
@@ -453,7 +461,7 @@
           <a:p>
             <a:fld id="{355DB585-D33B-42A9-9F51-42A8824375AA}" type="datetimeFigureOut">
               <a:rPr lang="en-US" smtClean="0"/>
-              <a:t>10/14/2024</a:t>
+              <a:t>10/15/2024</a:t>
             </a:fld>
             <a:endParaRPr lang="en-US"/>
           </a:p>
@@ -661,7 +669,7 @@
           <a:p>
             <a:fld id="{355DB585-D33B-42A9-9F51-42A8824375AA}" type="datetimeFigureOut">
               <a:rPr lang="en-US" smtClean="0"/>
-              <a:t>10/14/2024</a:t>
+              <a:t>10/15/2024</a:t>
             </a:fld>
             <a:endParaRPr lang="en-US"/>
           </a:p>
@@ -859,7 +867,7 @@
           <a:p>
             <a:fld id="{355DB585-D33B-42A9-9F51-42A8824375AA}" type="datetimeFigureOut">
               <a:rPr lang="en-US" smtClean="0"/>
-              <a:t>10/14/2024</a:t>
+              <a:t>10/15/2024</a:t>
             </a:fld>
             <a:endParaRPr lang="en-US"/>
           </a:p>
@@ -1134,7 +1142,7 @@
           <a:p>
             <a:fld id="{355DB585-D33B-42A9-9F51-42A8824375AA}" type="datetimeFigureOut">
               <a:rPr lang="en-US" smtClean="0"/>
-              <a:t>10/14/2024</a:t>
+              <a:t>10/15/2024</a:t>
             </a:fld>
             <a:endParaRPr lang="en-US"/>
           </a:p>
@@ -1399,7 +1407,7 @@
           <a:p>
             <a:fld id="{355DB585-D33B-42A9-9F51-42A8824375AA}" type="datetimeFigureOut">
               <a:rPr lang="en-US" smtClean="0"/>
-              <a:t>10/14/2024</a:t>
+              <a:t>10/15/2024</a:t>
             </a:fld>
             <a:endParaRPr lang="en-US"/>
           </a:p>
@@ -1811,7 +1819,7 @@
           <a:p>
             <a:fld id="{355DB585-D33B-42A9-9F51-42A8824375AA}" type="datetimeFigureOut">
               <a:rPr lang="en-US" smtClean="0"/>
-              <a:t>10/14/2024</a:t>
+              <a:t>10/15/2024</a:t>
             </a:fld>
             <a:endParaRPr lang="en-US"/>
           </a:p>
@@ -1952,7 +1960,7 @@
           <a:p>
             <a:fld id="{355DB585-D33B-42A9-9F51-42A8824375AA}" type="datetimeFigureOut">
               <a:rPr lang="en-US" smtClean="0"/>
-              <a:t>10/14/2024</a:t>
+              <a:t>10/15/2024</a:t>
             </a:fld>
             <a:endParaRPr lang="en-US"/>
           </a:p>
@@ -2065,7 +2073,7 @@
           <a:p>
             <a:fld id="{355DB585-D33B-42A9-9F51-42A8824375AA}" type="datetimeFigureOut">
               <a:rPr lang="en-US" smtClean="0"/>
-              <a:t>10/14/2024</a:t>
+              <a:t>10/15/2024</a:t>
             </a:fld>
             <a:endParaRPr lang="en-US"/>
           </a:p>
@@ -2376,7 +2384,7 @@
           <a:p>
             <a:fld id="{355DB585-D33B-42A9-9F51-42A8824375AA}" type="datetimeFigureOut">
               <a:rPr lang="en-US" smtClean="0"/>
-              <a:t>10/14/2024</a:t>
+              <a:t>10/15/2024</a:t>
             </a:fld>
             <a:endParaRPr lang="en-US"/>
           </a:p>
@@ -2664,7 +2672,7 @@
           <a:p>
             <a:fld id="{355DB585-D33B-42A9-9F51-42A8824375AA}" type="datetimeFigureOut">
               <a:rPr lang="en-US" smtClean="0"/>
-              <a:t>10/14/2024</a:t>
+              <a:t>10/15/2024</a:t>
             </a:fld>
             <a:endParaRPr lang="en-US"/>
           </a:p>
@@ -2905,7 +2913,7 @@
           <a:p>
             <a:fld id="{355DB585-D33B-42A9-9F51-42A8824375AA}" type="datetimeFigureOut">
               <a:rPr lang="en-US" smtClean="0"/>
-              <a:t>10/14/2024</a:t>
+              <a:t>10/15/2024</a:t>
             </a:fld>
             <a:endParaRPr lang="en-US"/>
           </a:p>
@@ -3485,6 +3493,416 @@
     <p:extLst>
       <p:ext uri="{BB962C8B-B14F-4D97-AF65-F5344CB8AC3E}">
         <p14:creationId xmlns:p14="http://schemas.microsoft.com/office/powerpoint/2010/main" val="4279465658"/>
+      </p:ext>
+    </p:extLst>
+  </p:cSld>
+  <p:clrMapOvr>
+    <a:masterClrMapping/>
+  </p:clrMapOvr>
+</p:sld>
+</file>
+
+<file path=ppt/slides/slide3.xml><?xml version="1.0" encoding="utf-8"?>
+<p:sld xmlns:a="http://schemas.openxmlformats.org/drawingml/2006/main" xmlns:r="http://schemas.openxmlformats.org/officeDocument/2006/relationships" xmlns:p="http://schemas.openxmlformats.org/presentationml/2006/main">
+  <p:cSld>
+    <p:bg>
+      <p:bgPr>
+        <a:solidFill>
+          <a:schemeClr val="bg1"/>
+        </a:solidFill>
+        <a:effectLst/>
+      </p:bgPr>
+    </p:bg>
+    <p:spTree>
+      <p:nvGrpSpPr>
+        <p:cNvPr id="1" name=""/>
+        <p:cNvGrpSpPr/>
+        <p:nvPr/>
+      </p:nvGrpSpPr>
+      <p:grpSpPr>
+        <a:xfrm>
+          <a:off x="0" y="0"/>
+          <a:ext cx="0" cy="0"/>
+          <a:chOff x="0" y="0"/>
+          <a:chExt cx="0" cy="0"/>
+        </a:xfrm>
+      </p:grpSpPr>
+      <p:pic>
+        <p:nvPicPr>
+          <p:cNvPr id="9" name="Picture 8" descr="A graph with blue dots and red line&#10;&#10;Description automatically generated">
+            <a:extLst>
+              <a:ext uri="{FF2B5EF4-FFF2-40B4-BE49-F238E27FC236}">
+                <a16:creationId xmlns:a16="http://schemas.microsoft.com/office/drawing/2014/main" id="{56EFF8F5-20B8-276E-3E5B-2CC9DEC96315}"/>
+              </a:ext>
+            </a:extLst>
+          </p:cNvPr>
+          <p:cNvPicPr>
+            <a:picLocks noChangeAspect="1"/>
+          </p:cNvPicPr>
+          <p:nvPr/>
+        </p:nvPicPr>
+        <p:blipFill>
+          <a:blip r:embed="rId2">
+            <a:extLst>
+              <a:ext uri="{28A0092B-C50C-407E-A947-70E740481C1C}">
+                <a14:useLocalDpi xmlns:a14="http://schemas.microsoft.com/office/drawing/2010/main" val="0"/>
+              </a:ext>
+            </a:extLst>
+          </a:blip>
+          <a:stretch>
+            <a:fillRect/>
+          </a:stretch>
+        </p:blipFill>
+        <p:spPr>
+          <a:xfrm>
+            <a:off x="4330162" y="2086198"/>
+            <a:ext cx="3517119" cy="2637839"/>
+          </a:xfrm>
+          <a:prstGeom prst="rect">
+            <a:avLst/>
+          </a:prstGeom>
+        </p:spPr>
+      </p:pic>
+      <p:cxnSp>
+        <p:nvCxnSpPr>
+          <p:cNvPr id="14" name="Straight Connector 13">
+            <a:extLst>
+              <a:ext uri="{FF2B5EF4-FFF2-40B4-BE49-F238E27FC236}">
+                <a16:creationId xmlns:a16="http://schemas.microsoft.com/office/drawing/2014/main" id="{DCD67800-37AC-4E14-89B0-F79DCB3FB86D}"/>
+              </a:ext>
+              <a:ext uri="{C183D7F6-B498-43B3-948B-1728B52AA6E4}">
+                <adec:decorative xmlns:adec="http://schemas.microsoft.com/office/drawing/2017/decorative" val="1"/>
+              </a:ext>
+            </a:extLst>
+          </p:cNvPr>
+          <p:cNvCxnSpPr>
+            <a:cxnSpLocks noGrp="1" noRot="1" noChangeAspect="1" noMove="1" noResize="1" noEditPoints="1" noAdjustHandles="1" noChangeArrowheads="1" noChangeShapeType="1"/>
+          </p:cNvCxnSpPr>
+          <p:nvPr>
+            <p:extLst>
+              <p:ext uri="{386F3935-93C4-4BCD-93E2-E3B085C9AB24}">
+                <p16:designElem xmlns:p16="http://schemas.microsoft.com/office/powerpoint/2015/main" val="1"/>
+              </p:ext>
+            </p:extLst>
+          </p:nvPr>
+        </p:nvCxnSpPr>
+        <p:spPr>
+          <a:xfrm>
+            <a:off x="4165600" y="1573887"/>
+            <a:ext cx="0" cy="3710227"/>
+          </a:xfrm>
+          <a:prstGeom prst="line">
+            <a:avLst/>
+          </a:prstGeom>
+          <a:ln w="19050">
+            <a:solidFill>
+              <a:srgbClr val="7F7F7F"/>
+            </a:solidFill>
+          </a:ln>
+        </p:spPr>
+        <p:style>
+          <a:lnRef idx="1">
+            <a:schemeClr val="accent1"/>
+          </a:lnRef>
+          <a:fillRef idx="0">
+            <a:schemeClr val="accent1"/>
+          </a:fillRef>
+          <a:effectRef idx="0">
+            <a:schemeClr val="accent1"/>
+          </a:effectRef>
+          <a:fontRef idx="minor">
+            <a:schemeClr val="tx1"/>
+          </a:fontRef>
+        </p:style>
+      </p:cxnSp>
+      <p:pic>
+        <p:nvPicPr>
+          <p:cNvPr id="5" name="Picture 4" descr="A graph with blue dots&#10;&#10;Description automatically generated">
+            <a:extLst>
+              <a:ext uri="{FF2B5EF4-FFF2-40B4-BE49-F238E27FC236}">
+                <a16:creationId xmlns:a16="http://schemas.microsoft.com/office/drawing/2014/main" id="{E38F2579-EB31-852B-DAF8-6AD918786BB1}"/>
+              </a:ext>
+            </a:extLst>
+          </p:cNvPr>
+          <p:cNvPicPr>
+            <a:picLocks noChangeAspect="1"/>
+          </p:cNvPicPr>
+          <p:nvPr/>
+        </p:nvPicPr>
+        <p:blipFill>
+          <a:blip r:embed="rId3">
+            <a:extLst>
+              <a:ext uri="{28A0092B-C50C-407E-A947-70E740481C1C}">
+                <a14:useLocalDpi xmlns:a14="http://schemas.microsoft.com/office/drawing/2010/main" val="0"/>
+              </a:ext>
+            </a:extLst>
+          </a:blip>
+          <a:stretch>
+            <a:fillRect/>
+          </a:stretch>
+        </p:blipFill>
+        <p:spPr>
+          <a:xfrm>
+            <a:off x="335281" y="2086198"/>
+            <a:ext cx="3537345" cy="2653008"/>
+          </a:xfrm>
+          <a:prstGeom prst="rect">
+            <a:avLst/>
+          </a:prstGeom>
+        </p:spPr>
+      </p:pic>
+      <p:cxnSp>
+        <p:nvCxnSpPr>
+          <p:cNvPr id="16" name="Straight Connector 15">
+            <a:extLst>
+              <a:ext uri="{FF2B5EF4-FFF2-40B4-BE49-F238E27FC236}">
+                <a16:creationId xmlns:a16="http://schemas.microsoft.com/office/drawing/2014/main" id="{20F1788F-A5AE-4188-8274-F7F2E3833ECD}"/>
+              </a:ext>
+              <a:ext uri="{C183D7F6-B498-43B3-948B-1728B52AA6E4}">
+                <adec:decorative xmlns:adec="http://schemas.microsoft.com/office/drawing/2017/decorative" val="1"/>
+              </a:ext>
+            </a:extLst>
+          </p:cNvPr>
+          <p:cNvCxnSpPr>
+            <a:cxnSpLocks noGrp="1" noRot="1" noChangeAspect="1" noMove="1" noResize="1" noEditPoints="1" noAdjustHandles="1" noChangeArrowheads="1" noChangeShapeType="1"/>
+          </p:cNvCxnSpPr>
+          <p:nvPr>
+            <p:extLst>
+              <p:ext uri="{386F3935-93C4-4BCD-93E2-E3B085C9AB24}">
+                <p16:designElem xmlns:p16="http://schemas.microsoft.com/office/powerpoint/2015/main" val="1"/>
+              </p:ext>
+            </p:extLst>
+          </p:nvPr>
+        </p:nvCxnSpPr>
+        <p:spPr>
+          <a:xfrm>
+            <a:off x="7995920" y="1573887"/>
+            <a:ext cx="0" cy="3710227"/>
+          </a:xfrm>
+          <a:prstGeom prst="line">
+            <a:avLst/>
+          </a:prstGeom>
+          <a:ln w="19050">
+            <a:solidFill>
+              <a:srgbClr val="7F7F7F"/>
+            </a:solidFill>
+          </a:ln>
+        </p:spPr>
+        <p:style>
+          <a:lnRef idx="1">
+            <a:schemeClr val="accent1"/>
+          </a:lnRef>
+          <a:fillRef idx="0">
+            <a:schemeClr val="accent1"/>
+          </a:fillRef>
+          <a:effectRef idx="0">
+            <a:schemeClr val="accent1"/>
+          </a:effectRef>
+          <a:fontRef idx="minor">
+            <a:schemeClr val="tx1"/>
+          </a:fontRef>
+        </p:style>
+      </p:cxnSp>
+      <p:pic>
+        <p:nvPicPr>
+          <p:cNvPr id="7" name="Picture 6" descr="A graph with blue dots and a red line&#10;&#10;Description automatically generated">
+            <a:extLst>
+              <a:ext uri="{FF2B5EF4-FFF2-40B4-BE49-F238E27FC236}">
+                <a16:creationId xmlns:a16="http://schemas.microsoft.com/office/drawing/2014/main" id="{CF173C44-C16F-07AD-D983-E8CFA0D431A9}"/>
+              </a:ext>
+            </a:extLst>
+          </p:cNvPr>
+          <p:cNvPicPr>
+            <a:picLocks noChangeAspect="1"/>
+          </p:cNvPicPr>
+          <p:nvPr/>
+        </p:nvPicPr>
+        <p:blipFill>
+          <a:blip r:embed="rId4">
+            <a:extLst>
+              <a:ext uri="{28A0092B-C50C-407E-A947-70E740481C1C}">
+                <a14:useLocalDpi xmlns:a14="http://schemas.microsoft.com/office/drawing/2010/main" val="0"/>
+              </a:ext>
+            </a:extLst>
+          </a:blip>
+          <a:stretch>
+            <a:fillRect/>
+          </a:stretch>
+        </p:blipFill>
+        <p:spPr>
+          <a:xfrm>
+            <a:off x="8162336" y="2107008"/>
+            <a:ext cx="3517120" cy="2637839"/>
+          </a:xfrm>
+          <a:prstGeom prst="rect">
+            <a:avLst/>
+          </a:prstGeom>
+        </p:spPr>
+      </p:pic>
+    </p:spTree>
+    <p:extLst>
+      <p:ext uri="{BB962C8B-B14F-4D97-AF65-F5344CB8AC3E}">
+        <p14:creationId xmlns:p14="http://schemas.microsoft.com/office/powerpoint/2010/main" val="3851749360"/>
+      </p:ext>
+    </p:extLst>
+  </p:cSld>
+  <p:clrMapOvr>
+    <a:masterClrMapping/>
+  </p:clrMapOvr>
+</p:sld>
+</file>
+
+<file path=ppt/slides/slide4.xml><?xml version="1.0" encoding="utf-8"?>
+<p:sld xmlns:a="http://schemas.openxmlformats.org/drawingml/2006/main" xmlns:r="http://schemas.openxmlformats.org/officeDocument/2006/relationships" xmlns:p="http://schemas.openxmlformats.org/presentationml/2006/main">
+  <p:cSld>
+    <p:spTree>
+      <p:nvGrpSpPr>
+        <p:cNvPr id="1" name=""/>
+        <p:cNvGrpSpPr/>
+        <p:nvPr/>
+      </p:nvGrpSpPr>
+      <p:grpSpPr>
+        <a:xfrm>
+          <a:off x="0" y="0"/>
+          <a:ext cx="0" cy="0"/>
+          <a:chOff x="0" y="0"/>
+          <a:chExt cx="0" cy="0"/>
+        </a:xfrm>
+      </p:grpSpPr>
+      <p:sp>
+        <p:nvSpPr>
+          <p:cNvPr id="2" name="Title 1">
+            <a:extLst>
+              <a:ext uri="{FF2B5EF4-FFF2-40B4-BE49-F238E27FC236}">
+                <a16:creationId xmlns:a16="http://schemas.microsoft.com/office/drawing/2014/main" id="{9101BD57-C1FF-325E-6DAC-BCD570B153B7}"/>
+              </a:ext>
+            </a:extLst>
+          </p:cNvPr>
+          <p:cNvSpPr>
+            <a:spLocks noGrp="1"/>
+          </p:cNvSpPr>
+          <p:nvPr>
+            <p:ph type="title"/>
+          </p:nvPr>
+        </p:nvSpPr>
+        <p:spPr/>
+        <p:txBody>
+          <a:bodyPr/>
+          <a:lstStyle/>
+          <a:p>
+            <a:endParaRPr lang="en-US"/>
+          </a:p>
+        </p:txBody>
+      </p:sp>
+      <p:sp>
+        <p:nvSpPr>
+          <p:cNvPr id="3" name="Content Placeholder 2">
+            <a:extLst>
+              <a:ext uri="{FF2B5EF4-FFF2-40B4-BE49-F238E27FC236}">
+                <a16:creationId xmlns:a16="http://schemas.microsoft.com/office/drawing/2014/main" id="{FBBA80EF-5581-BB5F-3366-0B0E9A6CC4FC}"/>
+              </a:ext>
+            </a:extLst>
+          </p:cNvPr>
+          <p:cNvSpPr>
+            <a:spLocks noGrp="1"/>
+          </p:cNvSpPr>
+          <p:nvPr>
+            <p:ph idx="1"/>
+          </p:nvPr>
+        </p:nvSpPr>
+        <p:spPr/>
+        <p:txBody>
+          <a:bodyPr/>
+          <a:lstStyle/>
+          <a:p>
+            <a:endParaRPr lang="en-US"/>
+          </a:p>
+        </p:txBody>
+      </p:sp>
+    </p:spTree>
+    <p:extLst>
+      <p:ext uri="{BB962C8B-B14F-4D97-AF65-F5344CB8AC3E}">
+        <p14:creationId xmlns:p14="http://schemas.microsoft.com/office/powerpoint/2010/main" val="1361344431"/>
+      </p:ext>
+    </p:extLst>
+  </p:cSld>
+  <p:clrMapOvr>
+    <a:masterClrMapping/>
+  </p:clrMapOvr>
+</p:sld>
+</file>
+
+<file path=ppt/slides/slide5.xml><?xml version="1.0" encoding="utf-8"?>
+<p:sld xmlns:a="http://schemas.openxmlformats.org/drawingml/2006/main" xmlns:r="http://schemas.openxmlformats.org/officeDocument/2006/relationships" xmlns:p="http://schemas.openxmlformats.org/presentationml/2006/main">
+  <p:cSld>
+    <p:spTree>
+      <p:nvGrpSpPr>
+        <p:cNvPr id="1" name=""/>
+        <p:cNvGrpSpPr/>
+        <p:nvPr/>
+      </p:nvGrpSpPr>
+      <p:grpSpPr>
+        <a:xfrm>
+          <a:off x="0" y="0"/>
+          <a:ext cx="0" cy="0"/>
+          <a:chOff x="0" y="0"/>
+          <a:chExt cx="0" cy="0"/>
+        </a:xfrm>
+      </p:grpSpPr>
+      <p:sp>
+        <p:nvSpPr>
+          <p:cNvPr id="2" name="Title 1">
+            <a:extLst>
+              <a:ext uri="{FF2B5EF4-FFF2-40B4-BE49-F238E27FC236}">
+                <a16:creationId xmlns:a16="http://schemas.microsoft.com/office/drawing/2014/main" id="{E5B02658-6988-B31A-6431-8AB5E40CB9B0}"/>
+              </a:ext>
+            </a:extLst>
+          </p:cNvPr>
+          <p:cNvSpPr>
+            <a:spLocks noGrp="1"/>
+          </p:cNvSpPr>
+          <p:nvPr>
+            <p:ph type="title"/>
+          </p:nvPr>
+        </p:nvSpPr>
+        <p:spPr/>
+        <p:txBody>
+          <a:bodyPr/>
+          <a:lstStyle/>
+          <a:p>
+            <a:endParaRPr lang="en-US"/>
+          </a:p>
+        </p:txBody>
+      </p:sp>
+      <p:sp>
+        <p:nvSpPr>
+          <p:cNvPr id="3" name="Content Placeholder 2">
+            <a:extLst>
+              <a:ext uri="{FF2B5EF4-FFF2-40B4-BE49-F238E27FC236}">
+                <a16:creationId xmlns:a16="http://schemas.microsoft.com/office/drawing/2014/main" id="{F5B7A42A-549C-D63E-1AA8-523D9DF7C822}"/>
+              </a:ext>
+            </a:extLst>
+          </p:cNvPr>
+          <p:cNvSpPr>
+            <a:spLocks noGrp="1"/>
+          </p:cNvSpPr>
+          <p:nvPr>
+            <p:ph idx="1"/>
+          </p:nvPr>
+        </p:nvSpPr>
+        <p:spPr/>
+        <p:txBody>
+          <a:bodyPr/>
+          <a:lstStyle/>
+          <a:p>
+            <a:endParaRPr lang="en-US"/>
+          </a:p>
+        </p:txBody>
+      </p:sp>
+    </p:spTree>
+    <p:extLst>
+      <p:ext uri="{BB962C8B-B14F-4D97-AF65-F5344CB8AC3E}">
+        <p14:creationId xmlns:p14="http://schemas.microsoft.com/office/powerpoint/2010/main" val="4058641200"/>
       </p:ext>
     </p:extLst>
   </p:cSld>
